--- a/docs/songs/how deep the fathers love.pptx
+++ b/docs/songs/how deep the fathers love.pptx
@@ -5,10 +5,10 @@
     <p:sldMasterId id="2147483648" r:id="rId1"/>
   </p:sldMasterIdLst>
   <p:sldIdLst>
-    <p:sldId id="518" r:id="rId2"/>
-    <p:sldId id="520" r:id="rId3"/>
+    <p:sldId id="1324" r:id="rId2"/>
+    <p:sldId id="1325" r:id="rId3"/>
     <p:sldId id="521" r:id="rId4"/>
-    <p:sldId id="522" r:id="rId5"/>
+    <p:sldId id="1326" r:id="rId5"/>
   </p:sldIdLst>
   <p:sldSz cx="9144000" cy="6858000" type="screen4x3"/>
   <p:notesSz cx="6858000" cy="9144000"/>
@@ -308,7 +308,7 @@
             <a:fld id="{26EA1CF3-4A15-4CBF-9A5A-6A56C368BE71}" type="datetimeFigureOut">
               <a:rPr lang="en-GB" smtClean="0"/>
               <a:pPr/>
-              <a:t>10/07/2023</a:t>
+              <a:t>15/04/2025</a:t>
             </a:fld>
             <a:endParaRPr lang="en-GB"/>
           </a:p>
@@ -475,7 +475,7 @@
             <a:fld id="{26EA1CF3-4A15-4CBF-9A5A-6A56C368BE71}" type="datetimeFigureOut">
               <a:rPr lang="en-GB" smtClean="0"/>
               <a:pPr/>
-              <a:t>10/07/2023</a:t>
+              <a:t>15/04/2025</a:t>
             </a:fld>
             <a:endParaRPr lang="en-GB"/>
           </a:p>
@@ -652,7 +652,7 @@
             <a:fld id="{26EA1CF3-4A15-4CBF-9A5A-6A56C368BE71}" type="datetimeFigureOut">
               <a:rPr lang="en-GB" smtClean="0"/>
               <a:pPr/>
-              <a:t>10/07/2023</a:t>
+              <a:t>15/04/2025</a:t>
             </a:fld>
             <a:endParaRPr lang="en-GB"/>
           </a:p>
@@ -819,7 +819,7 @@
             <a:fld id="{26EA1CF3-4A15-4CBF-9A5A-6A56C368BE71}" type="datetimeFigureOut">
               <a:rPr lang="en-GB" smtClean="0"/>
               <a:pPr/>
-              <a:t>10/07/2023</a:t>
+              <a:t>15/04/2025</a:t>
             </a:fld>
             <a:endParaRPr lang="en-GB"/>
           </a:p>
@@ -1062,7 +1062,7 @@
             <a:fld id="{26EA1CF3-4A15-4CBF-9A5A-6A56C368BE71}" type="datetimeFigureOut">
               <a:rPr lang="en-GB" smtClean="0"/>
               <a:pPr/>
-              <a:t>10/07/2023</a:t>
+              <a:t>15/04/2025</a:t>
             </a:fld>
             <a:endParaRPr lang="en-GB"/>
           </a:p>
@@ -1347,7 +1347,7 @@
             <a:fld id="{26EA1CF3-4A15-4CBF-9A5A-6A56C368BE71}" type="datetimeFigureOut">
               <a:rPr lang="en-GB" smtClean="0"/>
               <a:pPr/>
-              <a:t>10/07/2023</a:t>
+              <a:t>15/04/2025</a:t>
             </a:fld>
             <a:endParaRPr lang="en-GB"/>
           </a:p>
@@ -1766,7 +1766,7 @@
             <a:fld id="{26EA1CF3-4A15-4CBF-9A5A-6A56C368BE71}" type="datetimeFigureOut">
               <a:rPr lang="en-GB" smtClean="0"/>
               <a:pPr/>
-              <a:t>10/07/2023</a:t>
+              <a:t>15/04/2025</a:t>
             </a:fld>
             <a:endParaRPr lang="en-GB"/>
           </a:p>
@@ -1881,7 +1881,7 @@
             <a:fld id="{26EA1CF3-4A15-4CBF-9A5A-6A56C368BE71}" type="datetimeFigureOut">
               <a:rPr lang="en-GB" smtClean="0"/>
               <a:pPr/>
-              <a:t>10/07/2023</a:t>
+              <a:t>15/04/2025</a:t>
             </a:fld>
             <a:endParaRPr lang="en-GB"/>
           </a:p>
@@ -1973,7 +1973,7 @@
             <a:fld id="{26EA1CF3-4A15-4CBF-9A5A-6A56C368BE71}" type="datetimeFigureOut">
               <a:rPr lang="en-GB" smtClean="0"/>
               <a:pPr/>
-              <a:t>10/07/2023</a:t>
+              <a:t>15/04/2025</a:t>
             </a:fld>
             <a:endParaRPr lang="en-GB"/>
           </a:p>
@@ -2247,7 +2247,7 @@
             <a:fld id="{26EA1CF3-4A15-4CBF-9A5A-6A56C368BE71}" type="datetimeFigureOut">
               <a:rPr lang="en-GB" smtClean="0"/>
               <a:pPr/>
-              <a:t>10/07/2023</a:t>
+              <a:t>15/04/2025</a:t>
             </a:fld>
             <a:endParaRPr lang="en-GB"/>
           </a:p>
@@ -2497,7 +2497,7 @@
             <a:fld id="{26EA1CF3-4A15-4CBF-9A5A-6A56C368BE71}" type="datetimeFigureOut">
               <a:rPr lang="en-GB" smtClean="0"/>
               <a:pPr/>
-              <a:t>10/07/2023</a:t>
+              <a:t>15/04/2025</a:t>
             </a:fld>
             <a:endParaRPr lang="en-GB"/>
           </a:p>
@@ -2710,7 +2710,7 @@
             <a:fld id="{26EA1CF3-4A15-4CBF-9A5A-6A56C368BE71}" type="datetimeFigureOut">
               <a:rPr lang="en-GB" smtClean="0"/>
               <a:pPr/>
-              <a:t>10/07/2023</a:t>
+              <a:t>15/04/2025</a:t>
             </a:fld>
             <a:endParaRPr lang="en-GB"/>
           </a:p>
@@ -3113,7 +3113,7 @@
             <a:r>
               <a:rPr lang="en-GB" sz="4400" b="0" i="0" dirty="0">
                 <a:solidFill>
-                  <a:srgbClr val="00A3E0"/>
+                  <a:schemeClr val="bg1"/>
                 </a:solidFill>
                 <a:effectLst/>
                 <a:latin typeface="akagi_probook"/>
@@ -3206,7 +3206,7 @@
     </p:spTree>
     <p:extLst>
       <p:ext uri="{BB962C8B-B14F-4D97-AF65-F5344CB8AC3E}">
-        <p14:creationId xmlns:p14="http://schemas.microsoft.com/office/powerpoint/2010/main" val="2940382954"/>
+        <p14:creationId xmlns:p14="http://schemas.microsoft.com/office/powerpoint/2010/main" val="1340856314"/>
       </p:ext>
     </p:extLst>
   </p:cSld>
@@ -3245,7 +3245,7 @@
         </p:nvSpPr>
         <p:spPr>
           <a:xfrm>
-            <a:off x="323528" y="188640"/>
+            <a:off x="251520" y="692696"/>
             <a:ext cx="8640960" cy="6480720"/>
           </a:xfrm>
         </p:spPr>
@@ -3256,7 +3256,7 @@
           <a:lstStyle/>
           <a:p>
             <a:r>
-              <a:rPr lang="en-GB" sz="4000" dirty="0">
+              <a:rPr lang="en-GB" sz="3600" dirty="0">
                 <a:solidFill>
                   <a:schemeClr val="bg1"/>
                 </a:solidFill>
@@ -3266,7 +3266,7 @@
           </a:p>
           <a:p>
             <a:r>
-              <a:rPr lang="en-GB" sz="4000" dirty="0">
+              <a:rPr lang="en-GB" sz="3600" dirty="0">
                 <a:solidFill>
                   <a:schemeClr val="bg1"/>
                 </a:solidFill>
@@ -3276,7 +3276,7 @@
           </a:p>
           <a:p>
             <a:r>
-              <a:rPr lang="en-GB" sz="4000" dirty="0">
+              <a:rPr lang="en-GB" sz="3600" dirty="0">
                 <a:solidFill>
                   <a:schemeClr val="bg1"/>
                 </a:solidFill>
@@ -3286,7 +3286,7 @@
           </a:p>
           <a:p>
             <a:r>
-              <a:rPr lang="en-GB" sz="4000" dirty="0">
+              <a:rPr lang="en-GB" sz="3600" dirty="0">
                 <a:solidFill>
                   <a:schemeClr val="bg1"/>
                 </a:solidFill>
@@ -3296,7 +3296,7 @@
           </a:p>
           <a:p>
             <a:r>
-              <a:rPr lang="en-GB" sz="4000" dirty="0">
+              <a:rPr lang="en-GB" sz="3600" dirty="0">
                 <a:solidFill>
                   <a:schemeClr val="bg1"/>
                 </a:solidFill>
@@ -3306,7 +3306,7 @@
           </a:p>
           <a:p>
             <a:r>
-              <a:rPr lang="en-GB" sz="4000" dirty="0">
+              <a:rPr lang="en-GB" sz="3600" dirty="0">
                 <a:solidFill>
                   <a:schemeClr val="bg1"/>
                 </a:solidFill>
@@ -3316,7 +3316,7 @@
           </a:p>
           <a:p>
             <a:r>
-              <a:rPr lang="en-GB" sz="4000" dirty="0">
+              <a:rPr lang="en-GB" sz="3600" dirty="0">
                 <a:solidFill>
                   <a:schemeClr val="bg1"/>
                 </a:solidFill>
@@ -3326,7 +3326,7 @@
           </a:p>
           <a:p>
             <a:r>
-              <a:rPr lang="en-GB" sz="4000" dirty="0">
+              <a:rPr lang="en-GB" sz="3600" dirty="0">
                 <a:solidFill>
                   <a:schemeClr val="bg1"/>
                 </a:solidFill>
@@ -3372,7 +3372,7 @@
     </p:spTree>
     <p:extLst>
       <p:ext uri="{BB962C8B-B14F-4D97-AF65-F5344CB8AC3E}">
-        <p14:creationId xmlns:p14="http://schemas.microsoft.com/office/powerpoint/2010/main" val="2175635830"/>
+        <p14:creationId xmlns:p14="http://schemas.microsoft.com/office/powerpoint/2010/main" val="1623827455"/>
       </p:ext>
     </p:extLst>
   </p:cSld>
@@ -3411,7 +3411,7 @@
         </p:nvSpPr>
         <p:spPr>
           <a:xfrm>
-            <a:off x="323528" y="188640"/>
+            <a:off x="323528" y="764704"/>
             <a:ext cx="8640960" cy="6480720"/>
           </a:xfrm>
         </p:spPr>
@@ -3422,7 +3422,7 @@
           <a:lstStyle/>
           <a:p>
             <a:r>
-              <a:rPr lang="en-GB" sz="4000" dirty="0">
+              <a:rPr lang="en-GB" sz="3600" dirty="0">
                 <a:solidFill>
                   <a:schemeClr val="bg1"/>
                 </a:solidFill>
@@ -3432,7 +3432,7 @@
           </a:p>
           <a:p>
             <a:r>
-              <a:rPr lang="en-GB" sz="4000" dirty="0">
+              <a:rPr lang="en-GB" sz="3600" dirty="0">
                 <a:solidFill>
                   <a:schemeClr val="bg1"/>
                 </a:solidFill>
@@ -3442,7 +3442,7 @@
           </a:p>
           <a:p>
             <a:r>
-              <a:rPr lang="en-GB" sz="4000" dirty="0">
+              <a:rPr lang="en-GB" sz="3600" dirty="0">
                 <a:solidFill>
                   <a:schemeClr val="bg1"/>
                 </a:solidFill>
@@ -3452,7 +3452,7 @@
           </a:p>
           <a:p>
             <a:r>
-              <a:rPr lang="en-GB" sz="4000" dirty="0">
+              <a:rPr lang="en-GB" sz="3600" dirty="0">
                 <a:solidFill>
                   <a:schemeClr val="bg1"/>
                 </a:solidFill>
@@ -3462,7 +3462,7 @@
           </a:p>
           <a:p>
             <a:r>
-              <a:rPr lang="en-GB" sz="4000" dirty="0">
+              <a:rPr lang="en-GB" sz="3600" dirty="0">
                 <a:solidFill>
                   <a:schemeClr val="bg1"/>
                 </a:solidFill>
@@ -3472,7 +3472,7 @@
           </a:p>
           <a:p>
             <a:r>
-              <a:rPr lang="en-GB" sz="4000" dirty="0">
+              <a:rPr lang="en-GB" sz="3600" dirty="0">
                 <a:solidFill>
                   <a:schemeClr val="bg1"/>
                 </a:solidFill>
@@ -3482,7 +3482,7 @@
           </a:p>
           <a:p>
             <a:r>
-              <a:rPr lang="en-GB" sz="4000" dirty="0">
+              <a:rPr lang="en-GB" sz="3600" dirty="0">
                 <a:solidFill>
                   <a:schemeClr val="bg1"/>
                 </a:solidFill>
@@ -3492,7 +3492,7 @@
           </a:p>
           <a:p>
             <a:r>
-              <a:rPr lang="en-GB" sz="4000" dirty="0">
+              <a:rPr lang="en-GB" sz="3600" dirty="0">
                 <a:solidFill>
                   <a:schemeClr val="bg1"/>
                 </a:solidFill>
@@ -3577,7 +3577,7 @@
         </p:nvSpPr>
         <p:spPr>
           <a:xfrm>
-            <a:off x="323528" y="188640"/>
+            <a:off x="251520" y="764704"/>
             <a:ext cx="8640960" cy="6480720"/>
           </a:xfrm>
         </p:spPr>
@@ -3588,7 +3588,7 @@
           <a:lstStyle/>
           <a:p>
             <a:r>
-              <a:rPr lang="en-GB" sz="4000" dirty="0">
+              <a:rPr lang="en-GB" sz="3600" dirty="0">
                 <a:solidFill>
                   <a:schemeClr val="bg1"/>
                 </a:solidFill>
@@ -3598,7 +3598,7 @@
           </a:p>
           <a:p>
             <a:r>
-              <a:rPr lang="en-GB" sz="4000" dirty="0">
+              <a:rPr lang="en-GB" sz="3600" dirty="0">
                 <a:solidFill>
                   <a:schemeClr val="bg1"/>
                 </a:solidFill>
@@ -3606,7 +3606,7 @@
               <a:t>No gifts no </a:t>
             </a:r>
             <a:r>
-              <a:rPr lang="en-GB" sz="4000" dirty="0" err="1">
+              <a:rPr lang="en-GB" sz="3600" dirty="0" err="1">
                 <a:solidFill>
                   <a:schemeClr val="bg1"/>
                 </a:solidFill>
@@ -3614,7 +3614,7 @@
               <a:t>pow’r</a:t>
             </a:r>
             <a:r>
-              <a:rPr lang="en-GB" sz="4000" dirty="0">
+              <a:rPr lang="en-GB" sz="3600" dirty="0">
                 <a:solidFill>
                   <a:schemeClr val="bg1"/>
                 </a:solidFill>
@@ -3624,7 +3624,7 @@
           </a:p>
           <a:p>
             <a:r>
-              <a:rPr lang="en-GB" sz="4000" dirty="0">
+              <a:rPr lang="en-GB" sz="3600" dirty="0">
                 <a:solidFill>
                   <a:schemeClr val="bg1"/>
                 </a:solidFill>
@@ -3634,7 +3634,7 @@
           </a:p>
           <a:p>
             <a:r>
-              <a:rPr lang="en-GB" sz="4000" dirty="0">
+              <a:rPr lang="en-GB" sz="3600" dirty="0">
                 <a:solidFill>
                   <a:schemeClr val="bg1"/>
                 </a:solidFill>
@@ -3644,7 +3644,7 @@
           </a:p>
           <a:p>
             <a:r>
-              <a:rPr lang="en-GB" sz="4000" dirty="0">
+              <a:rPr lang="en-GB" sz="3600" dirty="0">
                 <a:solidFill>
                   <a:schemeClr val="bg1"/>
                 </a:solidFill>
@@ -3654,7 +3654,7 @@
           </a:p>
           <a:p>
             <a:r>
-              <a:rPr lang="en-GB" sz="4000" dirty="0">
+              <a:rPr lang="en-GB" sz="3600" dirty="0">
                 <a:solidFill>
                   <a:schemeClr val="bg1"/>
                 </a:solidFill>
@@ -3664,7 +3664,7 @@
           </a:p>
           <a:p>
             <a:r>
-              <a:rPr lang="en-GB" sz="4000" dirty="0">
+              <a:rPr lang="en-GB" sz="3600" dirty="0">
                 <a:solidFill>
                   <a:schemeClr val="bg1"/>
                 </a:solidFill>
@@ -3674,7 +3674,7 @@
           </a:p>
           <a:p>
             <a:r>
-              <a:rPr lang="en-GB" sz="4000" dirty="0">
+              <a:rPr lang="en-GB" sz="3600" dirty="0">
                 <a:solidFill>
                   <a:schemeClr val="bg1"/>
                 </a:solidFill>
